--- a/documents/[13신창섭150702]졸업작품 제안서 초안.pptx
+++ b/documents/[13신창섭150702]졸업작품 제안서 초안.pptx
@@ -5,7 +5,7 @@
     <p:sldMasterId id="2147483648" r:id="rId1"/>
   </p:sldMasterIdLst>
   <p:notesMasterIdLst>
-    <p:notesMasterId r:id="rId21"/>
+    <p:notesMasterId r:id="rId23"/>
   </p:notesMasterIdLst>
   <p:sldIdLst>
     <p:sldId id="264" r:id="rId2"/>
@@ -26,7 +26,9 @@
     <p:sldId id="290" r:id="rId17"/>
     <p:sldId id="293" r:id="rId18"/>
     <p:sldId id="292" r:id="rId19"/>
-    <p:sldId id="284" r:id="rId20"/>
+    <p:sldId id="294" r:id="rId20"/>
+    <p:sldId id="295" r:id="rId21"/>
+    <p:sldId id="284" r:id="rId22"/>
   </p:sldIdLst>
   <p:sldSz cx="12192000" cy="6858000"/>
   <p:notesSz cx="6858000" cy="9144000"/>
@@ -133,7 +135,7 @@
             <a:srgbClr val="A4A3A4"/>
           </p15:clr>
         </p15:guide>
-        <p15:guide id="2" pos="3795" userDrawn="1">
+        <p15:guide id="2" pos="3840" userDrawn="1">
           <p15:clr>
             <a:srgbClr val="A4A3A4"/>
           </p15:clr>
@@ -226,7 +228,7 @@
           <a:p>
             <a:fld id="{ABD44343-005F-DA4E-8CE2-D84E76ABEFED}" type="datetimeFigureOut">
               <a:rPr kumimoji="1" lang="ko-KR" altLang="en-US" smtClean="0"/>
-              <a:t>2016. 7. 22.</a:t>
+              <a:t>2016. 7. 26.</a:t>
             </a:fld>
             <a:endParaRPr kumimoji="1" lang="ko-KR" altLang="en-US"/>
           </a:p>
@@ -625,7 +627,7 @@
           <a:p>
             <a:fld id="{9A7BEA77-FCFD-E34F-8955-12C1E82451E3}" type="datetimeFigureOut">
               <a:rPr kumimoji="1" lang="ko-KR" altLang="en-US" smtClean="0"/>
-              <a:t>2016. 7. 22.</a:t>
+              <a:t>2016. 7. 26.</a:t>
             </a:fld>
             <a:endParaRPr kumimoji="1" lang="ko-KR" altLang="en-US"/>
           </a:p>
@@ -795,7 +797,7 @@
           <a:p>
             <a:fld id="{9A7BEA77-FCFD-E34F-8955-12C1E82451E3}" type="datetimeFigureOut">
               <a:rPr kumimoji="1" lang="ko-KR" altLang="en-US" smtClean="0"/>
-              <a:t>2016. 7. 22.</a:t>
+              <a:t>2016. 7. 26.</a:t>
             </a:fld>
             <a:endParaRPr kumimoji="1" lang="ko-KR" altLang="en-US"/>
           </a:p>
@@ -975,7 +977,7 @@
           <a:p>
             <a:fld id="{9A7BEA77-FCFD-E34F-8955-12C1E82451E3}" type="datetimeFigureOut">
               <a:rPr kumimoji="1" lang="ko-KR" altLang="en-US" smtClean="0"/>
-              <a:t>2016. 7. 22.</a:t>
+              <a:t>2016. 7. 26.</a:t>
             </a:fld>
             <a:endParaRPr kumimoji="1" lang="ko-KR" altLang="en-US"/>
           </a:p>
@@ -1145,7 +1147,7 @@
           <a:p>
             <a:fld id="{9A7BEA77-FCFD-E34F-8955-12C1E82451E3}" type="datetimeFigureOut">
               <a:rPr kumimoji="1" lang="ko-KR" altLang="en-US" smtClean="0"/>
-              <a:t>2016. 7. 22.</a:t>
+              <a:t>2016. 7. 26.</a:t>
             </a:fld>
             <a:endParaRPr kumimoji="1" lang="ko-KR" altLang="en-US"/>
           </a:p>
@@ -1391,7 +1393,7 @@
           <a:p>
             <a:fld id="{9A7BEA77-FCFD-E34F-8955-12C1E82451E3}" type="datetimeFigureOut">
               <a:rPr kumimoji="1" lang="ko-KR" altLang="en-US" smtClean="0"/>
-              <a:t>2016. 7. 22.</a:t>
+              <a:t>2016. 7. 26.</a:t>
             </a:fld>
             <a:endParaRPr kumimoji="1" lang="ko-KR" altLang="en-US"/>
           </a:p>
@@ -1623,7 +1625,7 @@
           <a:p>
             <a:fld id="{9A7BEA77-FCFD-E34F-8955-12C1E82451E3}" type="datetimeFigureOut">
               <a:rPr kumimoji="1" lang="ko-KR" altLang="en-US" smtClean="0"/>
-              <a:t>2016. 7. 22.</a:t>
+              <a:t>2016. 7. 26.</a:t>
             </a:fld>
             <a:endParaRPr kumimoji="1" lang="ko-KR" altLang="en-US"/>
           </a:p>
@@ -1990,7 +1992,7 @@
           <a:p>
             <a:fld id="{9A7BEA77-FCFD-E34F-8955-12C1E82451E3}" type="datetimeFigureOut">
               <a:rPr kumimoji="1" lang="ko-KR" altLang="en-US" smtClean="0"/>
-              <a:t>2016. 7. 22.</a:t>
+              <a:t>2016. 7. 26.</a:t>
             </a:fld>
             <a:endParaRPr kumimoji="1" lang="ko-KR" altLang="en-US"/>
           </a:p>
@@ -2108,7 +2110,7 @@
           <a:p>
             <a:fld id="{9A7BEA77-FCFD-E34F-8955-12C1E82451E3}" type="datetimeFigureOut">
               <a:rPr kumimoji="1" lang="ko-KR" altLang="en-US" smtClean="0"/>
-              <a:t>2016. 7. 22.</a:t>
+              <a:t>2016. 7. 26.</a:t>
             </a:fld>
             <a:endParaRPr kumimoji="1" lang="ko-KR" altLang="en-US"/>
           </a:p>
@@ -2203,7 +2205,7 @@
           <a:p>
             <a:fld id="{9A7BEA77-FCFD-E34F-8955-12C1E82451E3}" type="datetimeFigureOut">
               <a:rPr kumimoji="1" lang="ko-KR" altLang="en-US" smtClean="0"/>
-              <a:t>2016. 7. 22.</a:t>
+              <a:t>2016. 7. 26.</a:t>
             </a:fld>
             <a:endParaRPr kumimoji="1" lang="ko-KR" altLang="en-US"/>
           </a:p>
@@ -2480,7 +2482,7 @@
           <a:p>
             <a:fld id="{9A7BEA77-FCFD-E34F-8955-12C1E82451E3}" type="datetimeFigureOut">
               <a:rPr kumimoji="1" lang="ko-KR" altLang="en-US" smtClean="0"/>
-              <a:t>2016. 7. 22.</a:t>
+              <a:t>2016. 7. 26.</a:t>
             </a:fld>
             <a:endParaRPr kumimoji="1" lang="ko-KR" altLang="en-US"/>
           </a:p>
@@ -2733,7 +2735,7 @@
           <a:p>
             <a:fld id="{9A7BEA77-FCFD-E34F-8955-12C1E82451E3}" type="datetimeFigureOut">
               <a:rPr kumimoji="1" lang="ko-KR" altLang="en-US" smtClean="0"/>
-              <a:t>2016. 7. 22.</a:t>
+              <a:t>2016. 7. 26.</a:t>
             </a:fld>
             <a:endParaRPr kumimoji="1" lang="ko-KR" altLang="en-US"/>
           </a:p>
@@ -2946,7 +2948,7 @@
           <a:p>
             <a:fld id="{9A7BEA77-FCFD-E34F-8955-12C1E82451E3}" type="datetimeFigureOut">
               <a:rPr kumimoji="1" lang="ko-KR" altLang="en-US" smtClean="0"/>
-              <a:t>2016. 7. 22.</a:t>
+              <a:t>2016. 7. 26.</a:t>
             </a:fld>
             <a:endParaRPr kumimoji="1" lang="ko-KR" altLang="en-US"/>
           </a:p>
@@ -9241,7 +9243,7 @@
             <a:avLst/>
           </a:prstGeom>
           <a:solidFill>
-            <a:srgbClr val="003A9D"/>
+            <a:schemeClr val="accent6"/>
           </a:solidFill>
           <a:ln>
             <a:noFill/>
@@ -9326,8 +9328,8 @@
         </p:nvSpPr>
         <p:spPr>
           <a:xfrm>
-            <a:off x="1594964" y="2884656"/>
-            <a:ext cx="3262432" cy="1015663"/>
+            <a:off x="1210242" y="2884656"/>
+            <a:ext cx="4031873" cy="1015663"/>
           </a:xfrm>
           <a:prstGeom prst="rect">
             <a:avLst/>
@@ -9347,7 +9349,7 @@
                   <a:schemeClr val="bg1"/>
                 </a:solidFill>
               </a:rPr>
-              <a:t>방학계획</a:t>
+              <a:t>핵심플레이</a:t>
             </a:r>
             <a:endParaRPr kumimoji="1" lang="en-US" altLang="ko-KR" sz="6000" b="1" dirty="0">
               <a:solidFill>
@@ -9365,8 +9367,8 @@
         </p:nvSpPr>
         <p:spPr>
           <a:xfrm>
-            <a:off x="7434957" y="2921168"/>
-            <a:ext cx="2464136" cy="1015663"/>
+            <a:off x="6900355" y="2921168"/>
+            <a:ext cx="3533340" cy="1015663"/>
           </a:xfrm>
           <a:prstGeom prst="rect">
             <a:avLst/>
@@ -9380,32 +9382,16 @@
           <a:p>
             <a:pPr algn="ctr"/>
             <a:r>
-              <a:rPr kumimoji="1" lang="en-US" altLang="ko-KR" sz="6000" b="1" dirty="0" smtClean="0">
-                <a:solidFill>
-                  <a:srgbClr val="003A9D"/>
+              <a:rPr kumimoji="1" lang="ko-KR" altLang="en-US" sz="6000" b="1" dirty="0" smtClean="0">
+                <a:solidFill>
+                  <a:srgbClr val="00B050"/>
                 </a:solidFill>
               </a:rPr>
-              <a:t>=</a:t>
-            </a:r>
-            <a:r>
-              <a:rPr kumimoji="1" lang="ko-KR" altLang="en-US" sz="6000" b="1" dirty="0" smtClean="0">
-                <a:solidFill>
-                  <a:srgbClr val="003A9D"/>
-                </a:solidFill>
-              </a:rPr>
-              <a:t>ㅅ</a:t>
-            </a:r>
-            <a:r>
-              <a:rPr kumimoji="1" lang="en-US" altLang="ko-KR" sz="6000" b="1" dirty="0" smtClean="0">
-                <a:solidFill>
-                  <a:srgbClr val="003A9D"/>
-                </a:solidFill>
-              </a:rPr>
-              <a:t>=..</a:t>
+              <a:t>스킬 피버</a:t>
             </a:r>
             <a:endParaRPr kumimoji="1" lang="ko-KR" altLang="en-US" sz="6000" b="1" dirty="0">
               <a:solidFill>
-                <a:srgbClr val="003A9D"/>
+                <a:srgbClr val="00B050"/>
               </a:solidFill>
             </a:endParaRPr>
           </a:p>
@@ -9414,7 +9400,7 @@
     </p:spTree>
     <p:extLst>
       <p:ext uri="{BB962C8B-B14F-4D97-AF65-F5344CB8AC3E}">
-        <p14:creationId xmlns:p14="http://schemas.microsoft.com/office/powerpoint/2010/main" val="200406410"/>
+        <p14:creationId xmlns:p14="http://schemas.microsoft.com/office/powerpoint/2010/main" val="882255219"/>
       </p:ext>
     </p:extLst>
   </p:cSld>
@@ -10048,7 +10034,7 @@
         </p:nvSpPr>
         <p:spPr>
           <a:xfrm>
-            <a:off x="4671039" y="692888"/>
+            <a:off x="4711819" y="692888"/>
             <a:ext cx="3205200" cy="892552"/>
           </a:xfrm>
           <a:prstGeom prst="rect">
@@ -10115,7 +10101,7 @@
         </p:nvSpPr>
         <p:spPr>
           <a:xfrm>
-            <a:off x="4671040" y="2187746"/>
+            <a:off x="4671040" y="2146115"/>
             <a:ext cx="3205200" cy="892552"/>
           </a:xfrm>
           <a:prstGeom prst="rect">
@@ -10182,7 +10168,7 @@
         </p:nvSpPr>
         <p:spPr>
           <a:xfrm>
-            <a:off x="4671041" y="3885668"/>
+            <a:off x="4671041" y="3795878"/>
             <a:ext cx="3205200" cy="892552"/>
           </a:xfrm>
           <a:prstGeom prst="rect">
@@ -10249,7 +10235,7 @@
         </p:nvSpPr>
         <p:spPr>
           <a:xfrm>
-            <a:off x="4671041" y="5385910"/>
+            <a:off x="4671039" y="5385910"/>
             <a:ext cx="3205200" cy="892552"/>
           </a:xfrm>
           <a:prstGeom prst="rect">
@@ -10316,7 +10302,7 @@
         </p:nvSpPr>
         <p:spPr>
           <a:xfrm>
-            <a:off x="8033998" y="5377346"/>
+            <a:off x="8033998" y="5478243"/>
             <a:ext cx="3754538" cy="707886"/>
           </a:xfrm>
           <a:prstGeom prst="rect">
@@ -10384,7 +10370,7 @@
         </p:nvSpPr>
         <p:spPr>
           <a:xfrm>
-            <a:off x="8033997" y="2349674"/>
+            <a:off x="8033997" y="2238448"/>
             <a:ext cx="3754538" cy="707886"/>
           </a:xfrm>
           <a:prstGeom prst="rect">
@@ -10452,7 +10438,7 @@
         </p:nvSpPr>
         <p:spPr>
           <a:xfrm>
-            <a:off x="7876239" y="818455"/>
+            <a:off x="7876239" y="789324"/>
             <a:ext cx="3754538" cy="707886"/>
           </a:xfrm>
           <a:prstGeom prst="rect">
@@ -10520,7 +10506,7 @@
         </p:nvSpPr>
         <p:spPr>
           <a:xfrm>
-            <a:off x="7917019" y="3862383"/>
+            <a:off x="7917019" y="3887353"/>
             <a:ext cx="3754538" cy="707886"/>
           </a:xfrm>
           <a:prstGeom prst="rect">
@@ -10633,6 +10619,886 @@
     <p:extLst>
       <p:ext uri="{BB962C8B-B14F-4D97-AF65-F5344CB8AC3E}">
         <p14:creationId xmlns:p14="http://schemas.microsoft.com/office/powerpoint/2010/main" val="910339747"/>
+      </p:ext>
+    </p:extLst>
+  </p:cSld>
+  <p:clrMapOvr>
+    <a:masterClrMapping/>
+  </p:clrMapOvr>
+  <p:timing>
+    <p:tnLst>
+      <p:par>
+        <p:cTn id="1" dur="indefinite" restart="never" nodeType="tmRoot"/>
+      </p:par>
+    </p:tnLst>
+  </p:timing>
+</p:sld>
+</file>
+
+<file path=ppt/slides/slide20.xml><?xml version="1.0" encoding="utf-8"?>
+<p:sld xmlns:a="http://schemas.openxmlformats.org/drawingml/2006/main" xmlns:r="http://schemas.openxmlformats.org/officeDocument/2006/relationships" xmlns:p="http://schemas.openxmlformats.org/presentationml/2006/main">
+  <p:cSld>
+    <p:spTree>
+      <p:nvGrpSpPr>
+        <p:cNvPr id="1" name=""/>
+        <p:cNvGrpSpPr/>
+        <p:nvPr/>
+      </p:nvGrpSpPr>
+      <p:grpSpPr>
+        <a:xfrm>
+          <a:off x="0" y="0"/>
+          <a:ext cx="0" cy="0"/>
+          <a:chOff x="0" y="0"/>
+          <a:chExt cx="0" cy="0"/>
+        </a:xfrm>
+      </p:grpSpPr>
+      <p:sp>
+        <p:nvSpPr>
+          <p:cNvPr id="39" name="TextBox 38"/>
+          <p:cNvSpPr txBox="1"/>
+          <p:nvPr/>
+        </p:nvSpPr>
+        <p:spPr>
+          <a:xfrm>
+            <a:off x="342900" y="4221331"/>
+            <a:ext cx="7183377" cy="584775"/>
+          </a:xfrm>
+          <a:prstGeom prst="rect">
+            <a:avLst/>
+          </a:prstGeom>
+          <a:noFill/>
+        </p:spPr>
+        <p:txBody>
+          <a:bodyPr wrap="none" rtlCol="0">
+            <a:spAutoFit/>
+          </a:bodyPr>
+          <a:lstStyle/>
+          <a:p>
+            <a:r>
+              <a:rPr kumimoji="1" lang="ko-KR" altLang="en-US" sz="3200" b="1" dirty="0" smtClean="0"/>
+              <a:t>클래스별로 고유하게 부여된 특수기술</a:t>
+            </a:r>
+            <a:endParaRPr kumimoji="1" lang="en-US" altLang="ko-KR" sz="3200" b="1" dirty="0" smtClean="0"/>
+          </a:p>
+        </p:txBody>
+      </p:sp>
+      <p:pic>
+        <p:nvPicPr>
+          <p:cNvPr id="26" name="그림 25"/>
+          <p:cNvPicPr>
+            <a:picLocks noChangeAspect="1"/>
+          </p:cNvPicPr>
+          <p:nvPr/>
+        </p:nvPicPr>
+        <p:blipFill>
+          <a:blip r:embed="rId2">
+            <a:extLst>
+              <a:ext uri="{BEBA8EAE-BF5A-486C-A8C5-ECC9F3942E4B}">
+                <a14:imgProps xmlns:a14="http://schemas.microsoft.com/office/drawing/2010/main">
+                  <a14:imgLayer r:embed="rId3">
+                    <a14:imgEffect>
+                      <a14:backgroundRemoval t="1615" b="100000" l="9960" r="81943">
+                        <a14:foregroundMark x1="53279" y1="15231" x2="49555" y2="24308"/>
+                        <a14:foregroundMark x1="60081" y1="53538" x2="54413" y2="62077"/>
+                        <a14:backgroundMark x1="61862" y1="46692" x2="61457" y2="48538"/>
+                        <a14:backgroundMark x1="38623" y1="48769" x2="38623" y2="50231"/>
+                      </a14:backgroundRemoval>
+                    </a14:imgEffect>
+                  </a14:imgLayer>
+                </a14:imgProps>
+              </a:ext>
+              <a:ext uri="{28A0092B-C50C-407E-A947-70E740481C1C}">
+                <a14:useLocalDpi xmlns:a14="http://schemas.microsoft.com/office/drawing/2010/main" val="0"/>
+              </a:ext>
+            </a:extLst>
+          </a:blip>
+          <a:stretch>
+            <a:fillRect/>
+          </a:stretch>
+        </p:blipFill>
+        <p:spPr>
+          <a:xfrm>
+            <a:off x="1582316" y="1771494"/>
+            <a:ext cx="2165850" cy="2279842"/>
+          </a:xfrm>
+          <a:prstGeom prst="rect">
+            <a:avLst/>
+          </a:prstGeom>
+        </p:spPr>
+      </p:pic>
+      <p:sp>
+        <p:nvSpPr>
+          <p:cNvPr id="29" name="모서리가 둥근 사각형 설명선[R] 28"/>
+          <p:cNvSpPr/>
+          <p:nvPr/>
+        </p:nvSpPr>
+        <p:spPr>
+          <a:xfrm>
+            <a:off x="717005" y="1056603"/>
+            <a:ext cx="1003389" cy="827707"/>
+          </a:xfrm>
+          <a:prstGeom prst="wedgeRoundRectCallout">
+            <a:avLst>
+              <a:gd name="adj1" fmla="val 77164"/>
+              <a:gd name="adj2" fmla="val 102430"/>
+              <a:gd name="adj3" fmla="val 16667"/>
+            </a:avLst>
+          </a:prstGeom>
+          <a:noFill/>
+          <a:ln w="38100">
+            <a:solidFill>
+              <a:schemeClr val="tx1"/>
+            </a:solidFill>
+          </a:ln>
+        </p:spPr>
+        <p:style>
+          <a:lnRef idx="2">
+            <a:schemeClr val="accent1">
+              <a:shade val="50000"/>
+            </a:schemeClr>
+          </a:lnRef>
+          <a:fillRef idx="1">
+            <a:schemeClr val="accent1"/>
+          </a:fillRef>
+          <a:effectRef idx="0">
+            <a:schemeClr val="accent1"/>
+          </a:effectRef>
+          <a:fontRef idx="minor">
+            <a:schemeClr val="lt1"/>
+          </a:fontRef>
+        </p:style>
+        <p:txBody>
+          <a:bodyPr rtlCol="0" anchor="ctr"/>
+          <a:lstStyle/>
+          <a:p>
+            <a:pPr algn="ctr"/>
+            <a:r>
+              <a:rPr kumimoji="1" lang="en-US" altLang="ko-KR" sz="6000" smtClean="0">
+                <a:solidFill>
+                  <a:schemeClr val="tx1"/>
+                </a:solidFill>
+              </a:rPr>
+              <a:t>!!</a:t>
+            </a:r>
+            <a:endParaRPr kumimoji="1" lang="ko-KR" altLang="en-US" sz="6000" dirty="0">
+              <a:solidFill>
+                <a:schemeClr val="tx1"/>
+              </a:solidFill>
+            </a:endParaRPr>
+          </a:p>
+        </p:txBody>
+      </p:sp>
+      <p:sp>
+        <p:nvSpPr>
+          <p:cNvPr id="30" name="타원 29"/>
+          <p:cNvSpPr/>
+          <p:nvPr/>
+        </p:nvSpPr>
+        <p:spPr>
+          <a:xfrm>
+            <a:off x="2252023" y="1019852"/>
+            <a:ext cx="901211" cy="901211"/>
+          </a:xfrm>
+          <a:prstGeom prst="ellipse">
+            <a:avLst/>
+          </a:prstGeom>
+          <a:noFill/>
+          <a:ln w="38100">
+            <a:solidFill>
+              <a:schemeClr val="tx1"/>
+            </a:solidFill>
+          </a:ln>
+        </p:spPr>
+        <p:style>
+          <a:lnRef idx="2">
+            <a:schemeClr val="accent1">
+              <a:shade val="50000"/>
+            </a:schemeClr>
+          </a:lnRef>
+          <a:fillRef idx="1">
+            <a:schemeClr val="accent1"/>
+          </a:fillRef>
+          <a:effectRef idx="0">
+            <a:schemeClr val="accent1"/>
+          </a:effectRef>
+          <a:fontRef idx="minor">
+            <a:schemeClr val="lt1"/>
+          </a:fontRef>
+        </p:style>
+        <p:txBody>
+          <a:bodyPr lIns="0" tIns="0" rIns="0" bIns="0" rtlCol="0" anchor="ctr"/>
+          <a:lstStyle/>
+          <a:p>
+            <a:pPr algn="ctr"/>
+            <a:r>
+              <a:rPr kumimoji="1" lang="en-US" altLang="ko-KR" sz="2000" dirty="0" smtClean="0">
+                <a:solidFill>
+                  <a:srgbClr val="FF0000"/>
+                </a:solidFill>
+              </a:rPr>
+              <a:t>Fever</a:t>
+            </a:r>
+            <a:endParaRPr kumimoji="1" lang="ko-KR" altLang="en-US" sz="2000" dirty="0">
+              <a:solidFill>
+                <a:srgbClr val="FF0000"/>
+              </a:solidFill>
+            </a:endParaRPr>
+          </a:p>
+        </p:txBody>
+      </p:sp>
+      <p:sp>
+        <p:nvSpPr>
+          <p:cNvPr id="32" name="TextBox 31"/>
+          <p:cNvSpPr txBox="1"/>
+          <p:nvPr/>
+        </p:nvSpPr>
+        <p:spPr>
+          <a:xfrm>
+            <a:off x="2459388" y="211988"/>
+            <a:ext cx="525587" cy="857129"/>
+          </a:xfrm>
+          <a:prstGeom prst="rect">
+            <a:avLst/>
+          </a:prstGeom>
+          <a:noFill/>
+        </p:spPr>
+        <p:txBody>
+          <a:bodyPr wrap="none" rtlCol="0">
+            <a:spAutoFit/>
+          </a:bodyPr>
+          <a:lstStyle/>
+          <a:p>
+            <a:pPr algn="ctr"/>
+            <a:r>
+              <a:rPr kumimoji="1" lang="en-US" altLang="ko-KR" sz="5400" dirty="0" smtClean="0">
+                <a:solidFill>
+                  <a:srgbClr val="FF0000"/>
+                </a:solidFill>
+              </a:rPr>
+              <a:t>3</a:t>
+            </a:r>
+            <a:endParaRPr kumimoji="1" lang="ko-KR" altLang="en-US" sz="5400" dirty="0">
+              <a:solidFill>
+                <a:srgbClr val="FF0000"/>
+              </a:solidFill>
+            </a:endParaRPr>
+          </a:p>
+        </p:txBody>
+      </p:sp>
+      <p:pic>
+        <p:nvPicPr>
+          <p:cNvPr id="7" name="그림 6"/>
+          <p:cNvPicPr>
+            <a:picLocks noChangeAspect="1"/>
+          </p:cNvPicPr>
+          <p:nvPr/>
+        </p:nvPicPr>
+        <p:blipFill>
+          <a:blip r:embed="rId4">
+            <a:extLst>
+              <a:ext uri="{28A0092B-C50C-407E-A947-70E740481C1C}">
+                <a14:useLocalDpi xmlns:a14="http://schemas.microsoft.com/office/drawing/2010/main" val="0"/>
+              </a:ext>
+            </a:extLst>
+          </a:blip>
+          <a:stretch>
+            <a:fillRect/>
+          </a:stretch>
+        </p:blipFill>
+        <p:spPr>
+          <a:xfrm>
+            <a:off x="1984789" y="152460"/>
+            <a:ext cx="2264124" cy="1449039"/>
+          </a:xfrm>
+          <a:prstGeom prst="rect">
+            <a:avLst/>
+          </a:prstGeom>
+        </p:spPr>
+      </p:pic>
+      <p:sp>
+        <p:nvSpPr>
+          <p:cNvPr id="34" name="TextBox 33"/>
+          <p:cNvSpPr txBox="1"/>
+          <p:nvPr/>
+        </p:nvSpPr>
+        <p:spPr>
+          <a:xfrm>
+            <a:off x="342900" y="4901610"/>
+            <a:ext cx="7154523" cy="584775"/>
+          </a:xfrm>
+          <a:prstGeom prst="rect">
+            <a:avLst/>
+          </a:prstGeom>
+          <a:noFill/>
+        </p:spPr>
+        <p:txBody>
+          <a:bodyPr wrap="none" rtlCol="0">
+            <a:spAutoFit/>
+          </a:bodyPr>
+          <a:lstStyle/>
+          <a:p>
+            <a:r>
+              <a:rPr kumimoji="1" lang="en-US" altLang="ko-KR" sz="3200" b="1" dirty="0" smtClean="0"/>
+              <a:t>3</a:t>
+            </a:r>
+            <a:r>
+              <a:rPr kumimoji="1" lang="ko-KR" altLang="en-US" sz="3200" b="1" dirty="0" smtClean="0"/>
+              <a:t>단계 피버에서만 사용 가능한 필살기</a:t>
+            </a:r>
+            <a:endParaRPr kumimoji="1" lang="en-US" altLang="ko-KR" sz="3200" b="1" dirty="0" smtClean="0"/>
+          </a:p>
+        </p:txBody>
+      </p:sp>
+      <p:sp>
+        <p:nvSpPr>
+          <p:cNvPr id="36" name="TextBox 35"/>
+          <p:cNvSpPr txBox="1"/>
+          <p:nvPr/>
+        </p:nvSpPr>
+        <p:spPr>
+          <a:xfrm>
+            <a:off x="342900" y="5564892"/>
+            <a:ext cx="6123792" cy="1015663"/>
+          </a:xfrm>
+          <a:prstGeom prst="rect">
+            <a:avLst/>
+          </a:prstGeom>
+          <a:noFill/>
+        </p:spPr>
+        <p:txBody>
+          <a:bodyPr wrap="none" rtlCol="0">
+            <a:spAutoFit/>
+          </a:bodyPr>
+          <a:lstStyle/>
+          <a:p>
+            <a:r>
+              <a:rPr kumimoji="1" lang="ko-KR" altLang="en-US" sz="3200" b="1" dirty="0" smtClean="0"/>
+              <a:t>쌓인 피버와 기력을 모두 소진</a:t>
+            </a:r>
+            <a:endParaRPr kumimoji="1" lang="en-US" altLang="ko-KR" sz="3200" b="1" dirty="0" smtClean="0"/>
+          </a:p>
+          <a:p>
+            <a:r>
+              <a:rPr kumimoji="1" lang="en-US" altLang="ko-KR" sz="2800" b="1" dirty="0">
+                <a:solidFill>
+                  <a:schemeClr val="bg1">
+                    <a:lumMod val="50000"/>
+                  </a:schemeClr>
+                </a:solidFill>
+              </a:rPr>
+              <a:t>	</a:t>
+            </a:r>
+            <a:r>
+              <a:rPr kumimoji="1" lang="ko-KR" altLang="en-US" sz="2800" b="1" dirty="0" smtClean="0">
+                <a:solidFill>
+                  <a:schemeClr val="bg1">
+                    <a:lumMod val="50000"/>
+                  </a:schemeClr>
+                </a:solidFill>
+              </a:rPr>
+              <a:t>하이리스크</a:t>
+            </a:r>
+            <a:r>
+              <a:rPr kumimoji="1" lang="en-US" altLang="ko-KR" sz="2800" b="1" dirty="0" smtClean="0">
+                <a:solidFill>
+                  <a:schemeClr val="bg1">
+                    <a:lumMod val="50000"/>
+                  </a:schemeClr>
+                </a:solidFill>
+              </a:rPr>
+              <a:t>,</a:t>
+            </a:r>
+            <a:r>
+              <a:rPr kumimoji="1" lang="ko-KR" altLang="en-US" sz="2800" b="1" dirty="0" smtClean="0">
+                <a:solidFill>
+                  <a:schemeClr val="bg1">
+                    <a:lumMod val="50000"/>
+                  </a:schemeClr>
+                </a:solidFill>
+              </a:rPr>
+              <a:t> 하이리턴의 시스템</a:t>
+            </a:r>
+            <a:endParaRPr kumimoji="1" lang="en-US" altLang="ko-KR" sz="2800" b="1" dirty="0" smtClean="0">
+              <a:solidFill>
+                <a:schemeClr val="bg1">
+                  <a:lumMod val="50000"/>
+                </a:schemeClr>
+              </a:solidFill>
+            </a:endParaRPr>
+          </a:p>
+        </p:txBody>
+      </p:sp>
+      <p:pic>
+        <p:nvPicPr>
+          <p:cNvPr id="43" name="그림 42"/>
+          <p:cNvPicPr>
+            <a:picLocks noChangeAspect="1"/>
+          </p:cNvPicPr>
+          <p:nvPr/>
+        </p:nvPicPr>
+        <p:blipFill>
+          <a:blip r:embed="rId5">
+            <a:extLst>
+              <a:ext uri="{28A0092B-C50C-407E-A947-70E740481C1C}">
+                <a14:useLocalDpi xmlns:a14="http://schemas.microsoft.com/office/drawing/2010/main" val="0"/>
+              </a:ext>
+            </a:extLst>
+          </a:blip>
+          <a:stretch>
+            <a:fillRect/>
+          </a:stretch>
+        </p:blipFill>
+        <p:spPr>
+          <a:xfrm>
+            <a:off x="6952467" y="1337031"/>
+            <a:ext cx="3648858" cy="2833688"/>
+          </a:xfrm>
+          <a:prstGeom prst="rect">
+            <a:avLst/>
+          </a:prstGeom>
+        </p:spPr>
+      </p:pic>
+      <p:grpSp>
+        <p:nvGrpSpPr>
+          <p:cNvPr id="47" name="그룹 46"/>
+          <p:cNvGrpSpPr/>
+          <p:nvPr/>
+        </p:nvGrpSpPr>
+        <p:grpSpPr>
+          <a:xfrm>
+            <a:off x="5880013" y="1578555"/>
+            <a:ext cx="1201934" cy="1472279"/>
+            <a:chOff x="8807337" y="2582989"/>
+            <a:chExt cx="1201934" cy="1472279"/>
+          </a:xfrm>
+        </p:grpSpPr>
+        <p:pic>
+          <p:nvPicPr>
+            <p:cNvPr id="48" name="그림 47"/>
+            <p:cNvPicPr>
+              <a:picLocks noChangeAspect="1"/>
+            </p:cNvPicPr>
+            <p:nvPr/>
+          </p:nvPicPr>
+          <p:blipFill>
+            <a:blip r:embed="rId6">
+              <a:extLst>
+                <a:ext uri="{28A0092B-C50C-407E-A947-70E740481C1C}">
+                  <a14:useLocalDpi xmlns:a14="http://schemas.microsoft.com/office/drawing/2010/main" val="0"/>
+                </a:ext>
+              </a:extLst>
+            </a:blip>
+            <a:stretch>
+              <a:fillRect/>
+            </a:stretch>
+          </p:blipFill>
+          <p:spPr>
+            <a:xfrm rot="4148279">
+              <a:off x="8963399" y="2567810"/>
+              <a:ext cx="847244" cy="877601"/>
+            </a:xfrm>
+            <a:prstGeom prst="rect">
+              <a:avLst/>
+            </a:prstGeom>
+          </p:spPr>
+        </p:pic>
+        <p:pic>
+          <p:nvPicPr>
+            <p:cNvPr id="49" name="그림 48"/>
+            <p:cNvPicPr>
+              <a:picLocks noChangeAspect="1"/>
+            </p:cNvPicPr>
+            <p:nvPr/>
+          </p:nvPicPr>
+          <p:blipFill>
+            <a:blip r:embed="rId6">
+              <a:extLst>
+                <a:ext uri="{28A0092B-C50C-407E-A947-70E740481C1C}">
+                  <a14:useLocalDpi xmlns:a14="http://schemas.microsoft.com/office/drawing/2010/main" val="0"/>
+                </a:ext>
+              </a:extLst>
+            </a:blip>
+            <a:stretch>
+              <a:fillRect/>
+            </a:stretch>
+          </p:blipFill>
+          <p:spPr>
+            <a:xfrm rot="18911337">
+              <a:off x="8807337" y="3177667"/>
+              <a:ext cx="847244" cy="877601"/>
+            </a:xfrm>
+            <a:prstGeom prst="rect">
+              <a:avLst/>
+            </a:prstGeom>
+          </p:spPr>
+        </p:pic>
+        <p:pic>
+          <p:nvPicPr>
+            <p:cNvPr id="50" name="그림 49"/>
+            <p:cNvPicPr>
+              <a:picLocks noChangeAspect="1"/>
+            </p:cNvPicPr>
+            <p:nvPr/>
+          </p:nvPicPr>
+          <p:blipFill>
+            <a:blip r:embed="rId6">
+              <a:extLst>
+                <a:ext uri="{28A0092B-C50C-407E-A947-70E740481C1C}">
+                  <a14:useLocalDpi xmlns:a14="http://schemas.microsoft.com/office/drawing/2010/main" val="0"/>
+                </a:ext>
+              </a:extLst>
+            </a:blip>
+            <a:stretch>
+              <a:fillRect/>
+            </a:stretch>
+          </p:blipFill>
+          <p:spPr>
+            <a:xfrm rot="12512470">
+              <a:off x="9162027" y="3070148"/>
+              <a:ext cx="847244" cy="877601"/>
+            </a:xfrm>
+            <a:prstGeom prst="rect">
+              <a:avLst/>
+            </a:prstGeom>
+          </p:spPr>
+        </p:pic>
+      </p:grpSp>
+      <p:sp>
+        <p:nvSpPr>
+          <p:cNvPr id="51" name="모서리가 둥근 사각형 설명선[R] 50"/>
+          <p:cNvSpPr/>
+          <p:nvPr/>
+        </p:nvSpPr>
+        <p:spPr>
+          <a:xfrm>
+            <a:off x="7540565" y="578025"/>
+            <a:ext cx="3775136" cy="709742"/>
+          </a:xfrm>
+          <a:prstGeom prst="wedgeRoundRectCallout">
+            <a:avLst>
+              <a:gd name="adj1" fmla="val 11943"/>
+              <a:gd name="adj2" fmla="val 100699"/>
+              <a:gd name="adj3" fmla="val 16667"/>
+            </a:avLst>
+          </a:prstGeom>
+          <a:noFill/>
+          <a:ln w="25400">
+            <a:solidFill>
+              <a:schemeClr val="bg1">
+                <a:lumMod val="50000"/>
+              </a:schemeClr>
+            </a:solidFill>
+          </a:ln>
+        </p:spPr>
+        <p:style>
+          <a:lnRef idx="2">
+            <a:schemeClr val="accent1">
+              <a:shade val="50000"/>
+            </a:schemeClr>
+          </a:lnRef>
+          <a:fillRef idx="1">
+            <a:schemeClr val="accent1"/>
+          </a:fillRef>
+          <a:effectRef idx="0">
+            <a:schemeClr val="accent1"/>
+          </a:effectRef>
+          <a:fontRef idx="minor">
+            <a:schemeClr val="lt1"/>
+          </a:fontRef>
+        </p:style>
+        <p:txBody>
+          <a:bodyPr rtlCol="0" anchor="ctr"/>
+          <a:lstStyle/>
+          <a:p>
+            <a:pPr algn="ctr"/>
+            <a:r>
+              <a:rPr kumimoji="1" lang="ko-KR" altLang="en-US" sz="2400" dirty="0" smtClean="0">
+                <a:solidFill>
+                  <a:schemeClr val="bg1">
+                    <a:lumMod val="50000"/>
+                  </a:schemeClr>
+                </a:solidFill>
+              </a:rPr>
+              <a:t>류진노켄오쿠라에</a:t>
+            </a:r>
+            <a:r>
+              <a:rPr kumimoji="1" lang="en-US" altLang="ko-KR" sz="2400" dirty="0" smtClean="0">
+                <a:solidFill>
+                  <a:schemeClr val="tx1"/>
+                </a:solidFill>
+              </a:rPr>
+              <a:t>!</a:t>
+            </a:r>
+            <a:endParaRPr kumimoji="1" lang="ko-KR" altLang="en-US" sz="2400" dirty="0">
+              <a:solidFill>
+                <a:schemeClr val="tx1"/>
+              </a:solidFill>
+            </a:endParaRPr>
+          </a:p>
+        </p:txBody>
+      </p:sp>
+      <p:cxnSp>
+        <p:nvCxnSpPr>
+          <p:cNvPr id="52" name="직선 화살표 연결선 51"/>
+          <p:cNvCxnSpPr/>
+          <p:nvPr/>
+        </p:nvCxnSpPr>
+        <p:spPr>
+          <a:xfrm>
+            <a:off x="3748166" y="2554292"/>
+            <a:ext cx="1823959" cy="0"/>
+          </a:xfrm>
+          <a:prstGeom prst="straightConnector1">
+            <a:avLst/>
+          </a:prstGeom>
+          <a:ln w="38100">
+            <a:solidFill>
+              <a:schemeClr val="tx1"/>
+            </a:solidFill>
+            <a:tailEnd type="triangle"/>
+          </a:ln>
+        </p:spPr>
+        <p:style>
+          <a:lnRef idx="1">
+            <a:schemeClr val="accent1"/>
+          </a:lnRef>
+          <a:fillRef idx="0">
+            <a:schemeClr val="accent1"/>
+          </a:fillRef>
+          <a:effectRef idx="0">
+            <a:schemeClr val="accent1"/>
+          </a:effectRef>
+          <a:fontRef idx="minor">
+            <a:schemeClr val="tx1"/>
+          </a:fontRef>
+        </p:style>
+      </p:cxnSp>
+    </p:spTree>
+    <p:extLst>
+      <p:ext uri="{BB962C8B-B14F-4D97-AF65-F5344CB8AC3E}">
+        <p14:creationId xmlns:p14="http://schemas.microsoft.com/office/powerpoint/2010/main" val="1902565620"/>
+      </p:ext>
+    </p:extLst>
+  </p:cSld>
+  <p:clrMapOvr>
+    <a:masterClrMapping/>
+  </p:clrMapOvr>
+  <p:timing>
+    <p:tnLst>
+      <p:par>
+        <p:cTn id="1" dur="indefinite" restart="never" nodeType="tmRoot"/>
+      </p:par>
+    </p:tnLst>
+  </p:timing>
+</p:sld>
+</file>
+
+<file path=ppt/slides/slide21.xml><?xml version="1.0" encoding="utf-8"?>
+<p:sld xmlns:a="http://schemas.openxmlformats.org/drawingml/2006/main" xmlns:r="http://schemas.openxmlformats.org/officeDocument/2006/relationships" xmlns:p="http://schemas.openxmlformats.org/presentationml/2006/main">
+  <p:cSld>
+    <p:spTree>
+      <p:nvGrpSpPr>
+        <p:cNvPr id="1" name=""/>
+        <p:cNvGrpSpPr/>
+        <p:nvPr/>
+      </p:nvGrpSpPr>
+      <p:grpSpPr>
+        <a:xfrm>
+          <a:off x="0" y="0"/>
+          <a:ext cx="0" cy="0"/>
+          <a:chOff x="0" y="0"/>
+          <a:chExt cx="0" cy="0"/>
+        </a:xfrm>
+      </p:grpSpPr>
+      <p:sp>
+        <p:nvSpPr>
+          <p:cNvPr id="5" name="직사각형 4"/>
+          <p:cNvSpPr/>
+          <p:nvPr/>
+        </p:nvSpPr>
+        <p:spPr>
+          <a:xfrm>
+            <a:off x="0" y="0"/>
+            <a:ext cx="12192000" cy="6858000"/>
+          </a:xfrm>
+          <a:prstGeom prst="rect">
+            <a:avLst/>
+          </a:prstGeom>
+          <a:solidFill>
+            <a:srgbClr val="003A9D"/>
+          </a:solidFill>
+          <a:ln>
+            <a:noFill/>
+          </a:ln>
+        </p:spPr>
+        <p:style>
+          <a:lnRef idx="2">
+            <a:schemeClr val="accent1">
+              <a:shade val="50000"/>
+            </a:schemeClr>
+          </a:lnRef>
+          <a:fillRef idx="1">
+            <a:schemeClr val="accent1"/>
+          </a:fillRef>
+          <a:effectRef idx="0">
+            <a:schemeClr val="accent1"/>
+          </a:effectRef>
+          <a:fontRef idx="minor">
+            <a:schemeClr val="lt1"/>
+          </a:fontRef>
+        </p:style>
+        <p:txBody>
+          <a:bodyPr rtlCol="0" anchor="ctr"/>
+          <a:lstStyle/>
+          <a:p>
+            <a:pPr algn="ctr"/>
+            <a:endParaRPr kumimoji="1" lang="ko-KR" altLang="en-US"/>
+          </a:p>
+        </p:txBody>
+      </p:sp>
+      <p:sp>
+        <p:nvSpPr>
+          <p:cNvPr id="2" name="타원 1"/>
+          <p:cNvSpPr/>
+          <p:nvPr/>
+        </p:nvSpPr>
+        <p:spPr>
+          <a:xfrm>
+            <a:off x="6700603" y="1424066"/>
+            <a:ext cx="3957404" cy="3957404"/>
+          </a:xfrm>
+          <a:prstGeom prst="ellipse">
+            <a:avLst/>
+          </a:prstGeom>
+          <a:solidFill>
+            <a:schemeClr val="bg1"/>
+          </a:solidFill>
+          <a:ln>
+            <a:noFill/>
+          </a:ln>
+        </p:spPr>
+        <p:style>
+          <a:lnRef idx="2">
+            <a:schemeClr val="accent1">
+              <a:shade val="50000"/>
+            </a:schemeClr>
+          </a:lnRef>
+          <a:fillRef idx="1">
+            <a:schemeClr val="accent1"/>
+          </a:fillRef>
+          <a:effectRef idx="0">
+            <a:schemeClr val="accent1"/>
+          </a:effectRef>
+          <a:fontRef idx="minor">
+            <a:schemeClr val="lt1"/>
+          </a:fontRef>
+        </p:style>
+        <p:txBody>
+          <a:bodyPr rtlCol="0" anchor="ctr"/>
+          <a:lstStyle/>
+          <a:p>
+            <a:pPr algn="ctr"/>
+            <a:endParaRPr kumimoji="1" lang="ko-KR" altLang="en-US"/>
+          </a:p>
+        </p:txBody>
+      </p:sp>
+      <p:sp>
+        <p:nvSpPr>
+          <p:cNvPr id="4" name="TextBox 3"/>
+          <p:cNvSpPr txBox="1"/>
+          <p:nvPr/>
+        </p:nvSpPr>
+        <p:spPr>
+          <a:xfrm>
+            <a:off x="1594964" y="2884656"/>
+            <a:ext cx="3262432" cy="1015663"/>
+          </a:xfrm>
+          <a:prstGeom prst="rect">
+            <a:avLst/>
+          </a:prstGeom>
+          <a:noFill/>
+        </p:spPr>
+        <p:txBody>
+          <a:bodyPr wrap="none" rtlCol="0">
+            <a:spAutoFit/>
+          </a:bodyPr>
+          <a:lstStyle/>
+          <a:p>
+            <a:pPr algn="ctr"/>
+            <a:r>
+              <a:rPr kumimoji="1" lang="ko-KR" altLang="en-US" sz="6000" b="1" dirty="0" smtClean="0">
+                <a:solidFill>
+                  <a:schemeClr val="bg1"/>
+                </a:solidFill>
+              </a:rPr>
+              <a:t>방학계획</a:t>
+            </a:r>
+            <a:endParaRPr kumimoji="1" lang="en-US" altLang="ko-KR" sz="6000" b="1" dirty="0">
+              <a:solidFill>
+                <a:schemeClr val="bg1"/>
+              </a:solidFill>
+            </a:endParaRPr>
+          </a:p>
+        </p:txBody>
+      </p:sp>
+      <p:sp>
+        <p:nvSpPr>
+          <p:cNvPr id="3" name="직사각형 2"/>
+          <p:cNvSpPr/>
+          <p:nvPr/>
+        </p:nvSpPr>
+        <p:spPr>
+          <a:xfrm>
+            <a:off x="7434957" y="2921168"/>
+            <a:ext cx="2464136" cy="1015663"/>
+          </a:xfrm>
+          <a:prstGeom prst="rect">
+            <a:avLst/>
+          </a:prstGeom>
+        </p:spPr>
+        <p:txBody>
+          <a:bodyPr wrap="none" anchor="ctr">
+            <a:spAutoFit/>
+          </a:bodyPr>
+          <a:lstStyle/>
+          <a:p>
+            <a:pPr algn="ctr"/>
+            <a:r>
+              <a:rPr kumimoji="1" lang="en-US" altLang="ko-KR" sz="6000" b="1" dirty="0" smtClean="0">
+                <a:solidFill>
+                  <a:srgbClr val="003A9D"/>
+                </a:solidFill>
+              </a:rPr>
+              <a:t>=</a:t>
+            </a:r>
+            <a:r>
+              <a:rPr kumimoji="1" lang="ko-KR" altLang="en-US" sz="6000" b="1" dirty="0" smtClean="0">
+                <a:solidFill>
+                  <a:srgbClr val="003A9D"/>
+                </a:solidFill>
+              </a:rPr>
+              <a:t>ㅅ</a:t>
+            </a:r>
+            <a:r>
+              <a:rPr kumimoji="1" lang="en-US" altLang="ko-KR" sz="6000" b="1" dirty="0" smtClean="0">
+                <a:solidFill>
+                  <a:srgbClr val="003A9D"/>
+                </a:solidFill>
+              </a:rPr>
+              <a:t>=..</a:t>
+            </a:r>
+            <a:endParaRPr kumimoji="1" lang="ko-KR" altLang="en-US" sz="6000" b="1" dirty="0">
+              <a:solidFill>
+                <a:srgbClr val="003A9D"/>
+              </a:solidFill>
+            </a:endParaRPr>
+          </a:p>
+        </p:txBody>
+      </p:sp>
+    </p:spTree>
+    <p:extLst>
+      <p:ext uri="{BB962C8B-B14F-4D97-AF65-F5344CB8AC3E}">
+        <p14:creationId xmlns:p14="http://schemas.microsoft.com/office/powerpoint/2010/main" val="200406410"/>
       </p:ext>
     </p:extLst>
   </p:cSld>
@@ -12149,15 +13015,7 @@
                   <a:schemeClr val="bg1"/>
                 </a:solidFill>
               </a:rPr>
-              <a:t>환경 오브젝트 배치와 </a:t>
-            </a:r>
-            <a:r>
-              <a:rPr kumimoji="1" lang="ko-KR" altLang="en-US" b="1" dirty="0" smtClean="0">
-                <a:solidFill>
-                  <a:schemeClr val="bg1"/>
-                </a:solidFill>
-              </a:rPr>
-              <a:t>수정</a:t>
+              <a:t>환경 오브젝트 배치와 수정</a:t>
             </a:r>
             <a:endParaRPr kumimoji="1" lang="ko-KR" altLang="en-US" b="1" dirty="0">
               <a:solidFill>
@@ -12265,31 +13123,15 @@
             <a:pPr algn="ctr"/>
             <a:r>
               <a:rPr kumimoji="1" lang="ko-KR" altLang="en-US" sz="4000" dirty="0" smtClean="0"/>
-              <a:t>마을에서 출발해서 특정 </a:t>
-            </a:r>
+              <a:t>마을에서 출발해서 특정 던전의 보스를</a:t>
+            </a:r>
+            <a:endParaRPr kumimoji="1" lang="en-US" altLang="ko-KR" sz="4000" dirty="0" smtClean="0"/>
+          </a:p>
+          <a:p>
+            <a:pPr algn="ctr"/>
             <a:r>
               <a:rPr kumimoji="1" lang="ko-KR" altLang="en-US" sz="4000" dirty="0" smtClean="0"/>
-              <a:t>던전</a:t>
-            </a:r>
-            <a:r>
-              <a:rPr kumimoji="1" lang="ko-KR" altLang="en-US" sz="4000" dirty="0" smtClean="0"/>
-              <a:t>의 </a:t>
-            </a:r>
-            <a:r>
-              <a:rPr kumimoji="1" lang="ko-KR" altLang="en-US" sz="4000" dirty="0" smtClean="0"/>
-              <a:t>보스를</a:t>
-            </a:r>
-            <a:endParaRPr kumimoji="1" lang="en-US" altLang="ko-KR" sz="4000" dirty="0" smtClean="0"/>
-          </a:p>
-          <a:p>
-            <a:pPr algn="ctr"/>
-            <a:r>
-              <a:rPr kumimoji="1" lang="ko-KR" altLang="en-US" sz="4000" dirty="0" smtClean="0"/>
-              <a:t>잡는 것까지의 </a:t>
-            </a:r>
-            <a:r>
-              <a:rPr kumimoji="1" lang="ko-KR" altLang="en-US" sz="4000" dirty="0" smtClean="0"/>
-              <a:t>제작 과정</a:t>
+              <a:t>잡는 것까지의 제작 과정</a:t>
             </a:r>
             <a:endParaRPr kumimoji="1" lang="en-US" altLang="ko-KR" sz="4000" dirty="0" smtClean="0"/>
           </a:p>
@@ -12303,17 +13145,7 @@
                   </a:schemeClr>
                 </a:solidFill>
               </a:rPr>
-              <a:t>기획 기간 동안 재미의 </a:t>
-            </a:r>
-            <a:r>
-              <a:rPr kumimoji="1" lang="ko-KR" altLang="en-US" sz="2000" dirty="0" smtClean="0">
-                <a:solidFill>
-                  <a:schemeClr val="bg1">
-                    <a:lumMod val="75000"/>
-                  </a:schemeClr>
-                </a:solidFill>
-              </a:rPr>
-              <a:t>검증</a:t>
+              <a:t>기획 기간 동안 재미의 검증</a:t>
             </a:r>
             <a:r>
               <a:rPr kumimoji="1" lang="en-US" altLang="ko-KR" sz="2000" dirty="0" smtClean="0">

--- a/documents/[13신창섭150702]졸업작품 제안서 초안.pptx
+++ b/documents/[13신창섭150702]졸업작품 제안서 초안.pptx
@@ -9367,8 +9367,8 @@
         </p:nvSpPr>
         <p:spPr>
           <a:xfrm>
-            <a:off x="6900355" y="2921168"/>
-            <a:ext cx="3533340" cy="1015663"/>
+            <a:off x="7035811" y="2921168"/>
+            <a:ext cx="3262432" cy="1015663"/>
           </a:xfrm>
           <a:prstGeom prst="rect">
             <a:avLst/>
@@ -9382,12 +9382,12 @@
           <a:p>
             <a:pPr algn="ctr"/>
             <a:r>
-              <a:rPr kumimoji="1" lang="ko-KR" altLang="en-US" sz="6000" b="1" dirty="0" smtClean="0">
+              <a:rPr kumimoji="1" lang="ko-KR" altLang="en-US" sz="6000" b="1" smtClean="0">
                 <a:solidFill>
                   <a:srgbClr val="00B050"/>
                 </a:solidFill>
               </a:rPr>
-              <a:t>스킬 피버</a:t>
+              <a:t>이름미정</a:t>
             </a:r>
             <a:endParaRPr kumimoji="1" lang="ko-KR" altLang="en-US" sz="6000" b="1" dirty="0">
               <a:solidFill>
